--- a/Administration/Logo.pptx
+++ b/Administration/Logo.pptx
@@ -288,7 +288,7 @@
           <a:p>
             <a:fld id="{079B6DC7-2B56-2449-AA57-3086D037F930}" type="datetimeFigureOut">
               <a:rPr lang="en-US" smtClean="0"/>
-              <a:t>10/10/15</a:t>
+              <a:t>12/8/15</a:t>
             </a:fld>
             <a:endParaRPr lang="en-US"/>
           </a:p>
@@ -458,7 +458,7 @@
           <a:p>
             <a:fld id="{079B6DC7-2B56-2449-AA57-3086D037F930}" type="datetimeFigureOut">
               <a:rPr lang="en-US" smtClean="0"/>
-              <a:t>10/10/15</a:t>
+              <a:t>12/8/15</a:t>
             </a:fld>
             <a:endParaRPr lang="en-US"/>
           </a:p>
@@ -638,7 +638,7 @@
           <a:p>
             <a:fld id="{079B6DC7-2B56-2449-AA57-3086D037F930}" type="datetimeFigureOut">
               <a:rPr lang="en-US" smtClean="0"/>
-              <a:t>10/10/15</a:t>
+              <a:t>12/8/15</a:t>
             </a:fld>
             <a:endParaRPr lang="en-US"/>
           </a:p>
@@ -808,7 +808,7 @@
           <a:p>
             <a:fld id="{079B6DC7-2B56-2449-AA57-3086D037F930}" type="datetimeFigureOut">
               <a:rPr lang="en-US" smtClean="0"/>
-              <a:t>10/10/15</a:t>
+              <a:t>12/8/15</a:t>
             </a:fld>
             <a:endParaRPr lang="en-US"/>
           </a:p>
@@ -1054,7 +1054,7 @@
           <a:p>
             <a:fld id="{079B6DC7-2B56-2449-AA57-3086D037F930}" type="datetimeFigureOut">
               <a:rPr lang="en-US" smtClean="0"/>
-              <a:t>10/10/15</a:t>
+              <a:t>12/8/15</a:t>
             </a:fld>
             <a:endParaRPr lang="en-US"/>
           </a:p>
@@ -1342,7 +1342,7 @@
           <a:p>
             <a:fld id="{079B6DC7-2B56-2449-AA57-3086D037F930}" type="datetimeFigureOut">
               <a:rPr lang="en-US" smtClean="0"/>
-              <a:t>10/10/15</a:t>
+              <a:t>12/8/15</a:t>
             </a:fld>
             <a:endParaRPr lang="en-US"/>
           </a:p>
@@ -1764,7 +1764,7 @@
           <a:p>
             <a:fld id="{079B6DC7-2B56-2449-AA57-3086D037F930}" type="datetimeFigureOut">
               <a:rPr lang="en-US" smtClean="0"/>
-              <a:t>10/10/15</a:t>
+              <a:t>12/8/15</a:t>
             </a:fld>
             <a:endParaRPr lang="en-US"/>
           </a:p>
@@ -1882,7 +1882,7 @@
           <a:p>
             <a:fld id="{079B6DC7-2B56-2449-AA57-3086D037F930}" type="datetimeFigureOut">
               <a:rPr lang="en-US" smtClean="0"/>
-              <a:t>10/10/15</a:t>
+              <a:t>12/8/15</a:t>
             </a:fld>
             <a:endParaRPr lang="en-US"/>
           </a:p>
@@ -1977,7 +1977,7 @@
           <a:p>
             <a:fld id="{079B6DC7-2B56-2449-AA57-3086D037F930}" type="datetimeFigureOut">
               <a:rPr lang="en-US" smtClean="0"/>
-              <a:t>10/10/15</a:t>
+              <a:t>12/8/15</a:t>
             </a:fld>
             <a:endParaRPr lang="en-US"/>
           </a:p>
@@ -2254,7 +2254,7 @@
           <a:p>
             <a:fld id="{079B6DC7-2B56-2449-AA57-3086D037F930}" type="datetimeFigureOut">
               <a:rPr lang="en-US" smtClean="0"/>
-              <a:t>10/10/15</a:t>
+              <a:t>12/8/15</a:t>
             </a:fld>
             <a:endParaRPr lang="en-US"/>
           </a:p>
@@ -2507,7 +2507,7 @@
           <a:p>
             <a:fld id="{079B6DC7-2B56-2449-AA57-3086D037F930}" type="datetimeFigureOut">
               <a:rPr lang="en-US" smtClean="0"/>
-              <a:t>10/10/15</a:t>
+              <a:t>12/8/15</a:t>
             </a:fld>
             <a:endParaRPr lang="en-US"/>
           </a:p>
@@ -2720,7 +2720,7 @@
           <a:p>
             <a:fld id="{079B6DC7-2B56-2449-AA57-3086D037F930}" type="datetimeFigureOut">
               <a:rPr lang="en-US" smtClean="0"/>
-              <a:t>10/10/15</a:t>
+              <a:t>12/8/15</a:t>
             </a:fld>
             <a:endParaRPr lang="en-US"/>
           </a:p>
@@ -3095,49 +3095,29 @@
           <a:chExt cx="0" cy="0"/>
         </a:xfrm>
       </p:grpSpPr>
-      <p:pic>
-        <p:nvPicPr>
-          <p:cNvPr id="4" name="Picture 3"/>
-          <p:cNvPicPr>
-            <a:picLocks noChangeAspect="1"/>
-          </p:cNvPicPr>
+      <p:sp>
+        <p:nvSpPr>
+          <p:cNvPr id="20" name="Diamond 19"/>
+          <p:cNvSpPr/>
           <p:nvPr/>
-        </p:nvPicPr>
-        <p:blipFill rotWithShape="1">
-          <a:blip r:embed="rId2"/>
-          <a:srcRect b="25573"/>
-          <a:stretch/>
-        </p:blipFill>
+        </p:nvSpPr>
         <p:spPr>
           <a:xfrm>
-            <a:off x="1143000" y="556381"/>
-            <a:ext cx="6858000" cy="5104190"/>
+            <a:off x="2791846" y="187825"/>
+            <a:ext cx="711200" cy="711200"/>
           </a:xfrm>
-          <a:prstGeom prst="rect">
-            <a:avLst/>
-          </a:prstGeom>
-        </p:spPr>
-      </p:pic>
-      <p:sp>
-        <p:nvSpPr>
-          <p:cNvPr id="2" name="Rectangle 1"/>
-          <p:cNvSpPr/>
-          <p:nvPr/>
-        </p:nvSpPr>
-        <p:spPr>
-          <a:xfrm rot="2722582">
-            <a:off x="3643998" y="1387628"/>
-            <a:ext cx="1857517" cy="1843079"/>
-          </a:xfrm>
-          <a:prstGeom prst="rect">
+          <a:prstGeom prst="diamond">
             <a:avLst/>
           </a:prstGeom>
           <a:solidFill>
-            <a:schemeClr val="tx1"/>
+            <a:srgbClr val="00179E"/>
           </a:solidFill>
           <a:ln>
-            <a:noFill/>
+            <a:solidFill>
+              <a:schemeClr val="tx1"/>
+            </a:solidFill>
           </a:ln>
+          <a:effectLst/>
         </p:spPr>
         <p:style>
           <a:lnRef idx="1">
@@ -3164,57 +3144,13 @@
       </p:sp>
       <p:sp>
         <p:nvSpPr>
-          <p:cNvPr id="5" name="Diamond 4"/>
+          <p:cNvPr id="22" name="Freeform 21"/>
           <p:cNvSpPr/>
           <p:nvPr/>
         </p:nvSpPr>
         <p:spPr>
           <a:xfrm>
-            <a:off x="4223918" y="2146902"/>
-            <a:ext cx="711200" cy="711200"/>
-          </a:xfrm>
-          <a:prstGeom prst="diamond">
-            <a:avLst/>
-          </a:prstGeom>
-          <a:solidFill>
-            <a:srgbClr val="FF0000"/>
-          </a:solidFill>
-          <a:ln>
-            <a:noFill/>
-          </a:ln>
-        </p:spPr>
-        <p:style>
-          <a:lnRef idx="1">
-            <a:schemeClr val="accent1"/>
-          </a:lnRef>
-          <a:fillRef idx="3">
-            <a:schemeClr val="accent1"/>
-          </a:fillRef>
-          <a:effectRef idx="2">
-            <a:schemeClr val="accent1"/>
-          </a:effectRef>
-          <a:fontRef idx="minor">
-            <a:schemeClr val="lt1"/>
-          </a:fontRef>
-        </p:style>
-        <p:txBody>
-          <a:bodyPr rtlCol="0" anchor="ctr"/>
-          <a:lstStyle/>
-          <a:p>
-            <a:pPr algn="ctr"/>
-            <a:endParaRPr lang="en-US"/>
-          </a:p>
-        </p:txBody>
-      </p:sp>
-      <p:sp>
-        <p:nvSpPr>
-          <p:cNvPr id="8" name="Freeform 7"/>
-          <p:cNvSpPr/>
-          <p:nvPr/>
-        </p:nvSpPr>
-        <p:spPr>
-          <a:xfrm>
-            <a:off x="1491492" y="2786024"/>
+            <a:off x="59420" y="826947"/>
             <a:ext cx="2963293" cy="1959077"/>
           </a:xfrm>
           <a:custGeom>
@@ -3274,13 +3210,14 @@
             </a:pathLst>
           </a:custGeom>
           <a:solidFill>
-            <a:srgbClr val="FF0000"/>
+            <a:srgbClr val="00179E"/>
           </a:solidFill>
           <a:ln>
             <a:solidFill>
-              <a:srgbClr val="FF0000"/>
+              <a:schemeClr val="tx1"/>
             </a:solidFill>
           </a:ln>
+          <a:effectLst/>
         </p:spPr>
         <p:style>
           <a:lnRef idx="1">
@@ -3307,13 +3244,13 @@
       </p:sp>
       <p:sp>
         <p:nvSpPr>
-          <p:cNvPr id="9" name="Freeform 8"/>
+          <p:cNvPr id="23" name="Freeform 22"/>
           <p:cNvSpPr/>
           <p:nvPr/>
         </p:nvSpPr>
         <p:spPr>
           <a:xfrm flipH="1">
-            <a:off x="4691070" y="2786024"/>
+            <a:off x="3258998" y="826947"/>
             <a:ext cx="2963293" cy="1959077"/>
           </a:xfrm>
           <a:custGeom>
@@ -3373,13 +3310,14 @@
             </a:pathLst>
           </a:custGeom>
           <a:solidFill>
-            <a:srgbClr val="FF0000"/>
+            <a:srgbClr val="00179E"/>
           </a:solidFill>
           <a:ln>
             <a:solidFill>
-              <a:srgbClr val="FF0000"/>
+              <a:schemeClr val="tx1"/>
             </a:solidFill>
           </a:ln>
+          <a:effectLst/>
         </p:spPr>
         <p:style>
           <a:lnRef idx="1">
@@ -3406,13 +3344,13 @@
       </p:sp>
       <p:cxnSp>
         <p:nvCxnSpPr>
-          <p:cNvPr id="11" name="Straight Connector 10"/>
+          <p:cNvPr id="24" name="Straight Connector 23"/>
           <p:cNvCxnSpPr/>
           <p:nvPr/>
         </p:nvCxnSpPr>
         <p:spPr>
           <a:xfrm flipH="1" flipV="1">
-            <a:off x="4579518" y="1854204"/>
+            <a:off x="3147446" y="-104873"/>
             <a:ext cx="3103" cy="330200"/>
           </a:xfrm>
           <a:prstGeom prst="line">
@@ -3420,7 +3358,7 @@
           </a:prstGeom>
           <a:ln>
             <a:solidFill>
-              <a:srgbClr val="FF0000"/>
+              <a:schemeClr val="tx1"/>
             </a:solidFill>
           </a:ln>
           <a:effectLst/>
@@ -3442,13 +3380,13 @@
       </p:cxnSp>
       <p:cxnSp>
         <p:nvCxnSpPr>
-          <p:cNvPr id="13" name="Straight Connector 12"/>
+          <p:cNvPr id="25" name="Straight Connector 24"/>
           <p:cNvCxnSpPr/>
           <p:nvPr/>
         </p:nvCxnSpPr>
         <p:spPr>
           <a:xfrm rot="16200000" flipH="1" flipV="1">
-            <a:off x="5070857" y="2328333"/>
+            <a:off x="3638785" y="369256"/>
             <a:ext cx="6046" cy="330200"/>
           </a:xfrm>
           <a:prstGeom prst="line">
@@ -3456,7 +3394,7 @@
           </a:prstGeom>
           <a:ln>
             <a:solidFill>
-              <a:srgbClr val="FF0000"/>
+              <a:schemeClr val="tx1"/>
             </a:solidFill>
           </a:ln>
           <a:effectLst/>
@@ -3478,13 +3416,13 @@
       </p:cxnSp>
       <p:cxnSp>
         <p:nvCxnSpPr>
-          <p:cNvPr id="14" name="Straight Connector 13"/>
+          <p:cNvPr id="26" name="Straight Connector 25"/>
           <p:cNvCxnSpPr/>
           <p:nvPr/>
         </p:nvCxnSpPr>
         <p:spPr>
           <a:xfrm flipH="1" flipV="1">
-            <a:off x="4587036" y="2827864"/>
+            <a:off x="3154964" y="868787"/>
             <a:ext cx="3103" cy="330200"/>
           </a:xfrm>
           <a:prstGeom prst="line">
@@ -3492,7 +3430,7 @@
           </a:prstGeom>
           <a:ln>
             <a:solidFill>
-              <a:srgbClr val="FF0000"/>
+              <a:schemeClr val="tx1"/>
             </a:solidFill>
           </a:ln>
           <a:effectLst/>
@@ -3514,13 +3452,13 @@
       </p:cxnSp>
       <p:cxnSp>
         <p:nvCxnSpPr>
-          <p:cNvPr id="15" name="Straight Connector 14"/>
+          <p:cNvPr id="27" name="Straight Connector 26"/>
           <p:cNvCxnSpPr/>
           <p:nvPr/>
         </p:nvCxnSpPr>
         <p:spPr>
           <a:xfrm rot="16200000" flipH="1" flipV="1">
-            <a:off x="4077844" y="2334379"/>
+            <a:off x="2645772" y="375302"/>
             <a:ext cx="6046" cy="330200"/>
           </a:xfrm>
           <a:prstGeom prst="line">
@@ -3528,7 +3466,7 @@
           </a:prstGeom>
           <a:ln>
             <a:solidFill>
-              <a:srgbClr val="FF0000"/>
+              <a:schemeClr val="tx1"/>
             </a:solidFill>
           </a:ln>
           <a:effectLst/>
@@ -3550,24 +3488,24 @@
       </p:cxnSp>
       <p:sp>
         <p:nvSpPr>
-          <p:cNvPr id="16" name="Oval 15"/>
+          <p:cNvPr id="28" name="Oval 27"/>
           <p:cNvSpPr/>
           <p:nvPr/>
         </p:nvSpPr>
         <p:spPr>
           <a:xfrm>
-            <a:off x="4462471" y="1609162"/>
+            <a:off x="3030399" y="-349915"/>
             <a:ext cx="245533" cy="245533"/>
           </a:xfrm>
           <a:prstGeom prst="ellipse">
             <a:avLst/>
           </a:prstGeom>
           <a:solidFill>
-            <a:srgbClr val="FF0000"/>
+            <a:srgbClr val="00179E"/>
           </a:solidFill>
           <a:ln>
             <a:solidFill>
-              <a:srgbClr val="FF0000"/>
+              <a:schemeClr val="tx1"/>
             </a:solidFill>
           </a:ln>
           <a:effectLst/>
@@ -3597,24 +3535,24 @@
       </p:sp>
       <p:sp>
         <p:nvSpPr>
-          <p:cNvPr id="17" name="Oval 16"/>
+          <p:cNvPr id="29" name="Oval 28"/>
           <p:cNvSpPr/>
           <p:nvPr/>
         </p:nvSpPr>
         <p:spPr>
           <a:xfrm>
-            <a:off x="3670234" y="2379735"/>
+            <a:off x="2238162" y="420658"/>
             <a:ext cx="245533" cy="245533"/>
           </a:xfrm>
           <a:prstGeom prst="ellipse">
             <a:avLst/>
           </a:prstGeom>
           <a:solidFill>
-            <a:srgbClr val="FF0000"/>
+            <a:srgbClr val="00179E"/>
           </a:solidFill>
           <a:ln>
             <a:solidFill>
-              <a:srgbClr val="FF0000"/>
+              <a:schemeClr val="tx1"/>
             </a:solidFill>
           </a:ln>
           <a:effectLst/>
@@ -3644,24 +3582,24 @@
       </p:sp>
       <p:sp>
         <p:nvSpPr>
-          <p:cNvPr id="18" name="Oval 17"/>
+          <p:cNvPr id="30" name="Oval 29"/>
           <p:cNvSpPr/>
           <p:nvPr/>
         </p:nvSpPr>
         <p:spPr>
           <a:xfrm>
-            <a:off x="4462471" y="3158064"/>
+            <a:off x="3030399" y="1198987"/>
             <a:ext cx="245533" cy="245533"/>
           </a:xfrm>
           <a:prstGeom prst="ellipse">
             <a:avLst/>
           </a:prstGeom>
           <a:solidFill>
-            <a:srgbClr val="FF0000"/>
+            <a:srgbClr val="00179E"/>
           </a:solidFill>
           <a:ln>
             <a:solidFill>
-              <a:srgbClr val="FF0000"/>
+              <a:schemeClr val="tx1"/>
             </a:solidFill>
           </a:ln>
           <a:effectLst/>
@@ -3691,24 +3629,24 @@
       </p:sp>
       <p:sp>
         <p:nvSpPr>
-          <p:cNvPr id="19" name="Oval 18"/>
+          <p:cNvPr id="31" name="Oval 30"/>
           <p:cNvSpPr/>
           <p:nvPr/>
         </p:nvSpPr>
         <p:spPr>
           <a:xfrm>
-            <a:off x="5174208" y="2367642"/>
+            <a:off x="3742136" y="408565"/>
             <a:ext cx="245533" cy="245533"/>
           </a:xfrm>
           <a:prstGeom prst="ellipse">
             <a:avLst/>
           </a:prstGeom>
           <a:solidFill>
-            <a:srgbClr val="FF0000"/>
+            <a:srgbClr val="00179E"/>
           </a:solidFill>
           <a:ln>
             <a:solidFill>
-              <a:srgbClr val="FF0000"/>
+              <a:schemeClr val="tx1"/>
             </a:solidFill>
           </a:ln>
           <a:effectLst/>
@@ -3738,24 +3676,23 @@
       </p:sp>
       <p:sp>
         <p:nvSpPr>
-          <p:cNvPr id="21" name="Rectangle 20"/>
+          <p:cNvPr id="32" name="Rectangle 31"/>
           <p:cNvSpPr/>
           <p:nvPr/>
         </p:nvSpPr>
         <p:spPr>
           <a:xfrm>
-            <a:off x="1405467" y="4809067"/>
+            <a:off x="0" y="2914270"/>
             <a:ext cx="6316133" cy="736600"/>
           </a:xfrm>
           <a:prstGeom prst="rect">
             <a:avLst/>
           </a:prstGeom>
-          <a:solidFill>
-            <a:schemeClr val="tx1"/>
-          </a:solidFill>
+          <a:noFill/>
           <a:ln>
             <a:noFill/>
           </a:ln>
+          <a:effectLst/>
         </p:spPr>
         <p:style>
           <a:lnRef idx="1">
@@ -3778,12 +3715,18 @@
             <a:pPr algn="ctr"/>
             <a:r>
               <a:rPr lang="en-US" sz="5000" dirty="0" smtClean="0">
+                <a:solidFill>
+                  <a:schemeClr val="tx1"/>
+                </a:solidFill>
                 <a:latin typeface="Candara"/>
                 <a:cs typeface="Candara"/>
               </a:rPr>
               <a:t>F l y  N e t</a:t>
             </a:r>
             <a:endParaRPr lang="en-US" sz="5000" dirty="0">
+              <a:solidFill>
+                <a:schemeClr val="tx1"/>
+              </a:solidFill>
               <a:latin typeface="Candara"/>
               <a:cs typeface="Candara"/>
             </a:endParaRPr>
